--- a/DEBkiss results/Editing corr factor fig.pptx
+++ b/DEBkiss results/Editing corr factor fig.pptx
@@ -104,6 +104,11 @@
       </a:defRPr>
     </a:lvl9pPr>
   </p:defaultTextStyle>
+  <p:extLst>
+    <p:ext uri="{EFAFB233-063F-42B5-8137-9DF3F51BA10A}">
+      <p15:sldGuideLst xmlns:p15="http://schemas.microsoft.com/office/powerpoint/2012/main"/>
+    </p:ext>
+  </p:extLst>
 </p:presentation>
 </file>
 
@@ -238,7 +243,7 @@
           <a:p>
             <a:fld id="{5CE52A9B-7AC3-41C1-AEC8-74F70DF2B866}" type="datetimeFigureOut">
               <a:rPr lang="en-US" smtClean="0"/>
-              <a:t>3/22/2023</a:t>
+              <a:t>4/2/2023</a:t>
             </a:fld>
             <a:endParaRPr lang="en-US"/>
           </a:p>
@@ -408,7 +413,7 @@
           <a:p>
             <a:fld id="{5CE52A9B-7AC3-41C1-AEC8-74F70DF2B866}" type="datetimeFigureOut">
               <a:rPr lang="en-US" smtClean="0"/>
-              <a:t>3/22/2023</a:t>
+              <a:t>4/2/2023</a:t>
             </a:fld>
             <a:endParaRPr lang="en-US"/>
           </a:p>
@@ -588,7 +593,7 @@
           <a:p>
             <a:fld id="{5CE52A9B-7AC3-41C1-AEC8-74F70DF2B866}" type="datetimeFigureOut">
               <a:rPr lang="en-US" smtClean="0"/>
-              <a:t>3/22/2023</a:t>
+              <a:t>4/2/2023</a:t>
             </a:fld>
             <a:endParaRPr lang="en-US"/>
           </a:p>
@@ -758,7 +763,7 @@
           <a:p>
             <a:fld id="{5CE52A9B-7AC3-41C1-AEC8-74F70DF2B866}" type="datetimeFigureOut">
               <a:rPr lang="en-US" smtClean="0"/>
-              <a:t>3/22/2023</a:t>
+              <a:t>4/2/2023</a:t>
             </a:fld>
             <a:endParaRPr lang="en-US"/>
           </a:p>
@@ -1004,7 +1009,7 @@
           <a:p>
             <a:fld id="{5CE52A9B-7AC3-41C1-AEC8-74F70DF2B866}" type="datetimeFigureOut">
               <a:rPr lang="en-US" smtClean="0"/>
-              <a:t>3/22/2023</a:t>
+              <a:t>4/2/2023</a:t>
             </a:fld>
             <a:endParaRPr lang="en-US"/>
           </a:p>
@@ -1236,7 +1241,7 @@
           <a:p>
             <a:fld id="{5CE52A9B-7AC3-41C1-AEC8-74F70DF2B866}" type="datetimeFigureOut">
               <a:rPr lang="en-US" smtClean="0"/>
-              <a:t>3/22/2023</a:t>
+              <a:t>4/2/2023</a:t>
             </a:fld>
             <a:endParaRPr lang="en-US"/>
           </a:p>
@@ -1603,7 +1608,7 @@
           <a:p>
             <a:fld id="{5CE52A9B-7AC3-41C1-AEC8-74F70DF2B866}" type="datetimeFigureOut">
               <a:rPr lang="en-US" smtClean="0"/>
-              <a:t>3/22/2023</a:t>
+              <a:t>4/2/2023</a:t>
             </a:fld>
             <a:endParaRPr lang="en-US"/>
           </a:p>
@@ -1721,7 +1726,7 @@
           <a:p>
             <a:fld id="{5CE52A9B-7AC3-41C1-AEC8-74F70DF2B866}" type="datetimeFigureOut">
               <a:rPr lang="en-US" smtClean="0"/>
-              <a:t>3/22/2023</a:t>
+              <a:t>4/2/2023</a:t>
             </a:fld>
             <a:endParaRPr lang="en-US"/>
           </a:p>
@@ -1816,7 +1821,7 @@
           <a:p>
             <a:fld id="{5CE52A9B-7AC3-41C1-AEC8-74F70DF2B866}" type="datetimeFigureOut">
               <a:rPr lang="en-US" smtClean="0"/>
-              <a:t>3/22/2023</a:t>
+              <a:t>4/2/2023</a:t>
             </a:fld>
             <a:endParaRPr lang="en-US"/>
           </a:p>
@@ -2093,7 +2098,7 @@
           <a:p>
             <a:fld id="{5CE52A9B-7AC3-41C1-AEC8-74F70DF2B866}" type="datetimeFigureOut">
               <a:rPr lang="en-US" smtClean="0"/>
-              <a:t>3/22/2023</a:t>
+              <a:t>4/2/2023</a:t>
             </a:fld>
             <a:endParaRPr lang="en-US"/>
           </a:p>
@@ -2350,7 +2355,7 @@
           <a:p>
             <a:fld id="{5CE52A9B-7AC3-41C1-AEC8-74F70DF2B866}" type="datetimeFigureOut">
               <a:rPr lang="en-US" smtClean="0"/>
-              <a:t>3/22/2023</a:t>
+              <a:t>4/2/2023</a:t>
             </a:fld>
             <a:endParaRPr lang="en-US"/>
           </a:p>
@@ -2563,7 +2568,7 @@
           <a:p>
             <a:fld id="{5CE52A9B-7AC3-41C1-AEC8-74F70DF2B866}" type="datetimeFigureOut">
               <a:rPr lang="en-US" smtClean="0"/>
-              <a:t>3/22/2023</a:t>
+              <a:t>4/2/2023</a:t>
             </a:fld>
             <a:endParaRPr lang="en-US"/>
           </a:p>
@@ -2970,10 +2975,10 @@
       </p:grpSpPr>
       <p:pic>
         <p:nvPicPr>
-          <p:cNvPr id="10" name="Picture 9" descr="Diagram&#10;&#10;Description automatically generated">
+          <p:cNvPr id="5" name="Picture 4" descr="Diagram&#10;&#10;Description automatically generated">
             <a:extLst>
               <a:ext uri="{FF2B5EF4-FFF2-40B4-BE49-F238E27FC236}">
-                <a16:creationId xmlns:a16="http://schemas.microsoft.com/office/drawing/2014/main" id="{F7F98DE2-910B-54E3-418F-AD5C5DE5F940}"/>
+                <a16:creationId xmlns:a16="http://schemas.microsoft.com/office/drawing/2014/main" id="{81B76C1F-BA50-012F-DF09-52F06D0F6D7F}"/>
               </a:ext>
             </a:extLst>
           </p:cNvPr>
@@ -2996,8 +3001,8 @@
         </p:blipFill>
         <p:spPr>
           <a:xfrm>
-            <a:off x="576021" y="119805"/>
-            <a:ext cx="5881607" cy="4201148"/>
+            <a:off x="627793" y="116800"/>
+            <a:ext cx="5881607" cy="4203453"/>
           </a:xfrm>
           <a:prstGeom prst="rect">
             <a:avLst/>
